--- a/assignments/poly/lowpoly-terrain.pptx
+++ b/assignments/poly/lowpoly-terrain.pptx
@@ -859,7 +859,7 @@
           <a:p>
             <a:fld id="{7DF41D0F-5382-4CD9-B7C0-EEE2D39355B1}" type="datetimeFigureOut">
               <a:rPr lang="da-DK" smtClean="0"/>
-              <a:t>01-12-2021</a:t>
+              <a:t>03-12-2021</a:t>
             </a:fld>
             <a:endParaRPr lang="da-DK"/>
           </a:p>
@@ -901,7 +901,7 @@
           <a:p>
             <a:fld id="{32C5CB12-C13D-458E-A8E6-BEA2ABFD58C6}" type="slidenum">
               <a:rPr lang="da-DK" smtClean="0"/>
-              <a:t>‹#›</a:t>
+              <a:t>‹nr.›</a:t>
             </a:fld>
             <a:endParaRPr lang="da-DK"/>
           </a:p>
@@ -1110,7 +1110,7 @@
           <a:p>
             <a:fld id="{7DF41D0F-5382-4CD9-B7C0-EEE2D39355B1}" type="datetimeFigureOut">
               <a:rPr lang="da-DK" smtClean="0"/>
-              <a:t>01-12-2021</a:t>
+              <a:t>03-12-2021</a:t>
             </a:fld>
             <a:endParaRPr lang="da-DK"/>
           </a:p>
@@ -1152,7 +1152,7 @@
           <a:p>
             <a:fld id="{32C5CB12-C13D-458E-A8E6-BEA2ABFD58C6}" type="slidenum">
               <a:rPr lang="da-DK" smtClean="0"/>
-              <a:t>‹#›</a:t>
+              <a:t>‹nr.›</a:t>
             </a:fld>
             <a:endParaRPr lang="da-DK"/>
           </a:p>
@@ -1424,7 +1424,7 @@
           <a:p>
             <a:fld id="{7DF41D0F-5382-4CD9-B7C0-EEE2D39355B1}" type="datetimeFigureOut">
               <a:rPr lang="da-DK" smtClean="0"/>
-              <a:t>01-12-2021</a:t>
+              <a:t>03-12-2021</a:t>
             </a:fld>
             <a:endParaRPr lang="da-DK"/>
           </a:p>
@@ -1466,7 +1466,7 @@
           <a:p>
             <a:fld id="{32C5CB12-C13D-458E-A8E6-BEA2ABFD58C6}" type="slidenum">
               <a:rPr lang="da-DK" smtClean="0"/>
-              <a:t>‹#›</a:t>
+              <a:t>‹nr.›</a:t>
             </a:fld>
             <a:endParaRPr lang="da-DK"/>
           </a:p>
@@ -1765,7 +1765,7 @@
           <a:p>
             <a:fld id="{7DF41D0F-5382-4CD9-B7C0-EEE2D39355B1}" type="datetimeFigureOut">
               <a:rPr lang="da-DK" smtClean="0"/>
-              <a:t>01-12-2021</a:t>
+              <a:t>03-12-2021</a:t>
             </a:fld>
             <a:endParaRPr lang="da-DK"/>
           </a:p>
@@ -1807,7 +1807,7 @@
           <a:p>
             <a:fld id="{32C5CB12-C13D-458E-A8E6-BEA2ABFD58C6}" type="slidenum">
               <a:rPr lang="da-DK" smtClean="0"/>
-              <a:t>‹#›</a:t>
+              <a:t>‹nr.›</a:t>
             </a:fld>
             <a:endParaRPr lang="da-DK"/>
           </a:p>
@@ -2079,7 +2079,7 @@
           <a:p>
             <a:fld id="{7DF41D0F-5382-4CD9-B7C0-EEE2D39355B1}" type="datetimeFigureOut">
               <a:rPr lang="da-DK" smtClean="0"/>
-              <a:t>01-12-2021</a:t>
+              <a:t>03-12-2021</a:t>
             </a:fld>
             <a:endParaRPr lang="da-DK"/>
           </a:p>
@@ -2121,7 +2121,7 @@
           <a:p>
             <a:fld id="{32C5CB12-C13D-458E-A8E6-BEA2ABFD58C6}" type="slidenum">
               <a:rPr lang="da-DK" smtClean="0"/>
-              <a:t>‹#›</a:t>
+              <a:t>‹nr.›</a:t>
             </a:fld>
             <a:endParaRPr lang="da-DK"/>
           </a:p>
@@ -2472,7 +2472,7 @@
           <a:p>
             <a:fld id="{7DF41D0F-5382-4CD9-B7C0-EEE2D39355B1}" type="datetimeFigureOut">
               <a:rPr lang="da-DK" smtClean="0"/>
-              <a:t>01-12-2021</a:t>
+              <a:t>03-12-2021</a:t>
             </a:fld>
             <a:endParaRPr lang="da-DK"/>
           </a:p>
@@ -2514,7 +2514,7 @@
           <a:p>
             <a:fld id="{32C5CB12-C13D-458E-A8E6-BEA2ABFD58C6}" type="slidenum">
               <a:rPr lang="da-DK" smtClean="0"/>
-              <a:t>‹#›</a:t>
+              <a:t>‹nr.›</a:t>
             </a:fld>
             <a:endParaRPr lang="da-DK"/>
           </a:p>
@@ -2642,7 +2642,7 @@
           <a:p>
             <a:fld id="{7DF41D0F-5382-4CD9-B7C0-EEE2D39355B1}" type="datetimeFigureOut">
               <a:rPr lang="da-DK" smtClean="0"/>
-              <a:t>01-12-2021</a:t>
+              <a:t>03-12-2021</a:t>
             </a:fld>
             <a:endParaRPr lang="da-DK"/>
           </a:p>
@@ -2684,7 +2684,7 @@
           <a:p>
             <a:fld id="{32C5CB12-C13D-458E-A8E6-BEA2ABFD58C6}" type="slidenum">
               <a:rPr lang="da-DK" smtClean="0"/>
-              <a:t>‹#›</a:t>
+              <a:t>‹nr.›</a:t>
             </a:fld>
             <a:endParaRPr lang="da-DK"/>
           </a:p>
@@ -2822,7 +2822,7 @@
           <a:p>
             <a:fld id="{7DF41D0F-5382-4CD9-B7C0-EEE2D39355B1}" type="datetimeFigureOut">
               <a:rPr lang="da-DK" smtClean="0"/>
-              <a:t>01-12-2021</a:t>
+              <a:t>03-12-2021</a:t>
             </a:fld>
             <a:endParaRPr lang="da-DK"/>
           </a:p>
@@ -2864,7 +2864,7 @@
           <a:p>
             <a:fld id="{32C5CB12-C13D-458E-A8E6-BEA2ABFD58C6}" type="slidenum">
               <a:rPr lang="da-DK" smtClean="0"/>
-              <a:t>‹#›</a:t>
+              <a:t>‹nr.›</a:t>
             </a:fld>
             <a:endParaRPr lang="da-DK"/>
           </a:p>
@@ -2998,7 +2998,7 @@
           <a:p>
             <a:fld id="{7DF41D0F-5382-4CD9-B7C0-EEE2D39355B1}" type="datetimeFigureOut">
               <a:rPr lang="da-DK" smtClean="0"/>
-              <a:t>01-12-2021</a:t>
+              <a:t>03-12-2021</a:t>
             </a:fld>
             <a:endParaRPr lang="da-DK"/>
           </a:p>
@@ -3040,7 +3040,7 @@
           <a:p>
             <a:fld id="{32C5CB12-C13D-458E-A8E6-BEA2ABFD58C6}" type="slidenum">
               <a:rPr lang="da-DK" smtClean="0"/>
-              <a:t>‹#›</a:t>
+              <a:t>‹nr.›</a:t>
             </a:fld>
             <a:endParaRPr lang="da-DK"/>
           </a:p>
@@ -3245,7 +3245,7 @@
           <a:p>
             <a:fld id="{7DF41D0F-5382-4CD9-B7C0-EEE2D39355B1}" type="datetimeFigureOut">
               <a:rPr lang="da-DK" smtClean="0"/>
-              <a:t>01-12-2021</a:t>
+              <a:t>03-12-2021</a:t>
             </a:fld>
             <a:endParaRPr lang="da-DK"/>
           </a:p>
@@ -3287,7 +3287,7 @@
           <a:p>
             <a:fld id="{32C5CB12-C13D-458E-A8E6-BEA2ABFD58C6}" type="slidenum">
               <a:rPr lang="da-DK" smtClean="0"/>
-              <a:t>‹#›</a:t>
+              <a:t>‹nr.›</a:t>
             </a:fld>
             <a:endParaRPr lang="da-DK"/>
           </a:p>
@@ -3477,7 +3477,7 @@
           <a:p>
             <a:fld id="{7DF41D0F-5382-4CD9-B7C0-EEE2D39355B1}" type="datetimeFigureOut">
               <a:rPr lang="da-DK" smtClean="0"/>
-              <a:t>01-12-2021</a:t>
+              <a:t>03-12-2021</a:t>
             </a:fld>
             <a:endParaRPr lang="da-DK"/>
           </a:p>
@@ -3519,7 +3519,7 @@
           <a:p>
             <a:fld id="{32C5CB12-C13D-458E-A8E6-BEA2ABFD58C6}" type="slidenum">
               <a:rPr lang="da-DK" smtClean="0"/>
-              <a:t>‹#›</a:t>
+              <a:t>‹nr.›</a:t>
             </a:fld>
             <a:endParaRPr lang="da-DK"/>
           </a:p>
@@ -3851,7 +3851,7 @@
           <a:p>
             <a:fld id="{7DF41D0F-5382-4CD9-B7C0-EEE2D39355B1}" type="datetimeFigureOut">
               <a:rPr lang="da-DK" smtClean="0"/>
-              <a:t>01-12-2021</a:t>
+              <a:t>03-12-2021</a:t>
             </a:fld>
             <a:endParaRPr lang="da-DK"/>
           </a:p>
@@ -3893,7 +3893,7 @@
           <a:p>
             <a:fld id="{32C5CB12-C13D-458E-A8E6-BEA2ABFD58C6}" type="slidenum">
               <a:rPr lang="da-DK" smtClean="0"/>
-              <a:t>‹#›</a:t>
+              <a:t>‹nr.›</a:t>
             </a:fld>
             <a:endParaRPr lang="da-DK"/>
           </a:p>
@@ -3974,7 +3974,7 @@
           <a:p>
             <a:fld id="{7DF41D0F-5382-4CD9-B7C0-EEE2D39355B1}" type="datetimeFigureOut">
               <a:rPr lang="da-DK" smtClean="0"/>
-              <a:t>01-12-2021</a:t>
+              <a:t>03-12-2021</a:t>
             </a:fld>
             <a:endParaRPr lang="da-DK"/>
           </a:p>
@@ -4016,7 +4016,7 @@
           <a:p>
             <a:fld id="{32C5CB12-C13D-458E-A8E6-BEA2ABFD58C6}" type="slidenum">
               <a:rPr lang="da-DK" smtClean="0"/>
-              <a:t>‹#›</a:t>
+              <a:t>‹nr.›</a:t>
             </a:fld>
             <a:endParaRPr lang="da-DK"/>
           </a:p>
@@ -4069,7 +4069,7 @@
           <a:p>
             <a:fld id="{7DF41D0F-5382-4CD9-B7C0-EEE2D39355B1}" type="datetimeFigureOut">
               <a:rPr lang="da-DK" smtClean="0"/>
-              <a:t>01-12-2021</a:t>
+              <a:t>03-12-2021</a:t>
             </a:fld>
             <a:endParaRPr lang="da-DK"/>
           </a:p>
@@ -4111,7 +4111,7 @@
           <a:p>
             <a:fld id="{32C5CB12-C13D-458E-A8E6-BEA2ABFD58C6}" type="slidenum">
               <a:rPr lang="da-DK" smtClean="0"/>
-              <a:t>‹#›</a:t>
+              <a:t>‹nr.›</a:t>
             </a:fld>
             <a:endParaRPr lang="da-DK"/>
           </a:p>
@@ -4324,7 +4324,7 @@
           <a:p>
             <a:fld id="{7DF41D0F-5382-4CD9-B7C0-EEE2D39355B1}" type="datetimeFigureOut">
               <a:rPr lang="da-DK" smtClean="0"/>
-              <a:t>01-12-2021</a:t>
+              <a:t>03-12-2021</a:t>
             </a:fld>
             <a:endParaRPr lang="da-DK"/>
           </a:p>
@@ -4366,7 +4366,7 @@
           <a:p>
             <a:fld id="{32C5CB12-C13D-458E-A8E6-BEA2ABFD58C6}" type="slidenum">
               <a:rPr lang="da-DK" smtClean="0"/>
-              <a:t>‹#›</a:t>
+              <a:t>‹nr.›</a:t>
             </a:fld>
             <a:endParaRPr lang="da-DK"/>
           </a:p>
@@ -4587,7 +4587,7 @@
           <a:p>
             <a:fld id="{7DF41D0F-5382-4CD9-B7C0-EEE2D39355B1}" type="datetimeFigureOut">
               <a:rPr lang="da-DK" smtClean="0"/>
-              <a:t>01-12-2021</a:t>
+              <a:t>03-12-2021</a:t>
             </a:fld>
             <a:endParaRPr lang="da-DK"/>
           </a:p>
@@ -4629,7 +4629,7 @@
           <a:p>
             <a:fld id="{32C5CB12-C13D-458E-A8E6-BEA2ABFD58C6}" type="slidenum">
               <a:rPr lang="da-DK" smtClean="0"/>
-              <a:t>‹#›</a:t>
+              <a:t>‹nr.›</a:t>
             </a:fld>
             <a:endParaRPr lang="da-DK"/>
           </a:p>
@@ -5330,7 +5330,7 @@
           <a:p>
             <a:fld id="{7DF41D0F-5382-4CD9-B7C0-EEE2D39355B1}" type="datetimeFigureOut">
               <a:rPr lang="da-DK" smtClean="0"/>
-              <a:t>01-12-2021</a:t>
+              <a:t>03-12-2021</a:t>
             </a:fld>
             <a:endParaRPr lang="da-DK"/>
           </a:p>
@@ -5406,7 +5406,7 @@
           <a:p>
             <a:fld id="{32C5CB12-C13D-458E-A8E6-BEA2ABFD58C6}" type="slidenum">
               <a:rPr lang="da-DK" smtClean="0"/>
-              <a:t>‹#›</a:t>
+              <a:t>‹nr.›</a:t>
             </a:fld>
             <a:endParaRPr lang="da-DK"/>
           </a:p>
@@ -25820,98 +25820,6 @@
   <p:clrMapOvr>
     <a:masterClrMapping/>
   </p:clrMapOvr>
-  <p:timing>
-    <p:tnLst>
-      <p:par>
-        <p:cTn id="1" dur="indefinite" restart="never" nodeType="tmRoot">
-          <p:childTnLst>
-            <p:seq concurrent="1" nextAc="seek">
-              <p:cTn id="2" dur="indefinite" nodeType="mainSeq">
-                <p:childTnLst>
-                  <p:par>
-                    <p:cTn id="3" fill="hold">
-                      <p:stCondLst>
-                        <p:cond delay="indefinite"/>
-                        <p:cond evt="onBegin" delay="0">
-                          <p:tn val="2"/>
-                        </p:cond>
-                      </p:stCondLst>
-                      <p:childTnLst>
-                        <p:par>
-                          <p:cTn id="4" fill="hold">
-                            <p:stCondLst>
-                              <p:cond delay="0"/>
-                            </p:stCondLst>
-                            <p:childTnLst>
-                              <p:par>
-                                <p:cTn id="5" presetID="10" presetClass="entr" presetSubtype="0" fill="hold" grpId="0" nodeType="withEffect">
-                                  <p:stCondLst>
-                                    <p:cond delay="1000"/>
-                                  </p:stCondLst>
-                                  <p:iterate>
-                                    <p:tmPct val="10000"/>
-                                  </p:iterate>
-                                  <p:childTnLst>
-                                    <p:set>
-                                      <p:cBhvr>
-                                        <p:cTn id="6" dur="1" fill="hold">
-                                          <p:stCondLst>
-                                            <p:cond delay="0"/>
-                                          </p:stCondLst>
-                                        </p:cTn>
-                                        <p:tgtEl>
-                                          <p:spTgt spid="2"/>
-                                        </p:tgtEl>
-                                        <p:attrNameLst>
-                                          <p:attrName>style.visibility</p:attrName>
-                                        </p:attrNameLst>
-                                      </p:cBhvr>
-                                      <p:to>
-                                        <p:strVal val="visible"/>
-                                      </p:to>
-                                    </p:set>
-                                    <p:animEffect transition="in" filter="fade">
-                                      <p:cBhvr>
-                                        <p:cTn id="7" dur="700"/>
-                                        <p:tgtEl>
-                                          <p:spTgt spid="2"/>
-                                        </p:tgtEl>
-                                      </p:cBhvr>
-                                    </p:animEffect>
-                                  </p:childTnLst>
-                                </p:cTn>
-                              </p:par>
-                            </p:childTnLst>
-                          </p:cTn>
-                        </p:par>
-                      </p:childTnLst>
-                    </p:cTn>
-                  </p:par>
-                </p:childTnLst>
-              </p:cTn>
-              <p:prevCondLst>
-                <p:cond evt="onPrev" delay="0">
-                  <p:tgtEl>
-                    <p:sldTgt/>
-                  </p:tgtEl>
-                </p:cond>
-              </p:prevCondLst>
-              <p:nextCondLst>
-                <p:cond evt="onNext" delay="0">
-                  <p:tgtEl>
-                    <p:sldTgt/>
-                  </p:tgtEl>
-                </p:cond>
-              </p:nextCondLst>
-            </p:seq>
-          </p:childTnLst>
-        </p:cTn>
-      </p:par>
-    </p:tnLst>
-    <p:bldLst>
-      <p:bldP spid="2" grpId="0"/>
-    </p:bldLst>
-  </p:timing>
 </p:sld>
 </file>
 
